--- a/TESA_Simulation_Workshop_2021_Breakout_Report_Make_a_World.pptx
+++ b/TESA_Simulation_Workshop_2021_Breakout_Report_Make_a_World.pptx
@@ -6233,12 +6233,176 @@
             <p:ph idx="1"/>
           </p:nvPr>
         </p:nvSpPr>
-        <p:spPr/>
-        <p:txBody>
-          <a:bodyPr/>
-          <a:lstStyle/>
-          <a:p>
-            <a:endParaRPr lang="en-CA"/>
+        <p:spPr>
+          <a:xfrm>
+            <a:off x="677334" y="1671892"/>
+            <a:ext cx="8596668" cy="4428988"/>
+          </a:xfrm>
+        </p:spPr>
+        <p:txBody>
+          <a:bodyPr>
+            <a:normAutofit fontScale="62500" lnSpcReduction="20000"/>
+          </a:bodyPr>
+          <a:lstStyle/>
+          <a:p>
+            <a:r>
+              <a:rPr lang="en-CA" dirty="0"/>
+              <a:t>Tom Bermingham, DFO Quebec Region</a:t>
+            </a:r>
+          </a:p>
+          <a:p>
+            <a:r>
+              <a:rPr lang="en-CA" dirty="0"/>
+              <a:t>Mathieu Boudreau, DFO Quebec Region</a:t>
+            </a:r>
+          </a:p>
+          <a:p>
+            <a:r>
+              <a:rPr lang="en-CA" dirty="0"/>
+              <a:t>Michelle Fitzsimmons, DFO NL Region</a:t>
+            </a:r>
+          </a:p>
+          <a:p>
+            <a:r>
+              <a:rPr lang="en-CA" dirty="0"/>
+              <a:t>Kyle Gillespie, DFO Maritimes Region</a:t>
+            </a:r>
+          </a:p>
+          <a:p>
+            <a:r>
+              <a:rPr lang="en-CA" dirty="0"/>
+              <a:t>Wayne </a:t>
+            </a:r>
+            <a:r>
+              <a:rPr lang="en-CA" dirty="0" err="1"/>
+              <a:t>Hajas</a:t>
+            </a:r>
+            <a:r>
+              <a:rPr lang="en-CA" dirty="0"/>
+              <a:t>, DFO Pacific Region</a:t>
+            </a:r>
+          </a:p>
+          <a:p>
+            <a:r>
+              <a:rPr lang="en-CA" dirty="0"/>
+              <a:t>Alex </a:t>
+            </a:r>
+            <a:r>
+              <a:rPr lang="en-CA" dirty="0" err="1"/>
+              <a:t>Hanke</a:t>
+            </a:r>
+            <a:r>
+              <a:rPr lang="en-CA" dirty="0"/>
+              <a:t>, DFO Maritimes Region</a:t>
+            </a:r>
+          </a:p>
+          <a:p>
+            <a:r>
+              <a:rPr lang="en-CA" dirty="0" err="1"/>
+              <a:t>Fatemeh</a:t>
+            </a:r>
+            <a:r>
+              <a:rPr lang="en-CA" dirty="0"/>
+              <a:t> </a:t>
+            </a:r>
+            <a:r>
+              <a:rPr lang="en-CA" dirty="0" err="1"/>
+              <a:t>Hatefi</a:t>
+            </a:r>
+            <a:r>
+              <a:rPr lang="en-CA" dirty="0"/>
+              <a:t>, DFO NL Region</a:t>
+            </a:r>
+          </a:p>
+          <a:p>
+            <a:r>
+              <a:rPr lang="en-CA" dirty="0"/>
+              <a:t>Kevin Hedges, DFO Central and Arctic Region</a:t>
+            </a:r>
+          </a:p>
+          <a:p>
+            <a:r>
+              <a:rPr lang="en-CA" dirty="0" err="1"/>
+              <a:t>Quang</a:t>
+            </a:r>
+            <a:r>
+              <a:rPr lang="en-CA" dirty="0"/>
+              <a:t> Huynh, Blue Matter Science</a:t>
+            </a:r>
+          </a:p>
+          <a:p>
+            <a:r>
+              <a:rPr lang="en-CA" dirty="0"/>
+              <a:t>Rajeev Kumar, DFO NL Region </a:t>
+            </a:r>
+          </a:p>
+          <a:p>
+            <a:r>
+              <a:rPr lang="en-CA" dirty="0"/>
+              <a:t>Marina Milligan, DFO Pacific Region</a:t>
+            </a:r>
+          </a:p>
+          <a:p>
+            <a:r>
+              <a:rPr lang="en-CA" dirty="0"/>
+              <a:t>Shannon </a:t>
+            </a:r>
+            <a:r>
+              <a:rPr lang="en-CA" dirty="0" err="1"/>
+              <a:t>Obradovich</a:t>
+            </a:r>
+            <a:r>
+              <a:rPr lang="en-CA" dirty="0"/>
+              <a:t>, DFO Pacific Region</a:t>
+            </a:r>
+          </a:p>
+          <a:p>
+            <a:r>
+              <a:rPr lang="en-CA" dirty="0"/>
+              <a:t>Paul Regular, DFO NL Region</a:t>
+            </a:r>
+          </a:p>
+          <a:p>
+            <a:r>
+              <a:rPr lang="en-CA" dirty="0"/>
+              <a:t>Daniel Ricard, DFO Gulf </a:t>
+            </a:r>
+            <a:r>
+              <a:rPr lang="en-CA" dirty="0" smtClean="0"/>
+              <a:t>Region (breakout lead)</a:t>
+            </a:r>
+            <a:endParaRPr lang="en-CA" dirty="0"/>
+          </a:p>
+          <a:p>
+            <a:r>
+              <a:rPr lang="en-CA" dirty="0"/>
+              <a:t>Liza </a:t>
+            </a:r>
+            <a:r>
+              <a:rPr lang="en-CA" dirty="0" err="1"/>
+              <a:t>Tsitrin</a:t>
+            </a:r>
+            <a:r>
+              <a:rPr lang="en-CA" dirty="0"/>
+              <a:t>, DFO Maritimes Region</a:t>
+            </a:r>
+          </a:p>
+          <a:p>
+            <a:r>
+              <a:rPr lang="en-CA" dirty="0"/>
+              <a:t>Luke </a:t>
+            </a:r>
+            <a:r>
+              <a:rPr lang="en-CA" dirty="0" err="1"/>
+              <a:t>Warkentin</a:t>
+            </a:r>
+            <a:r>
+              <a:rPr lang="en-CA" dirty="0"/>
+              <a:t>, DFO Pacific Region</a:t>
+            </a:r>
+          </a:p>
+          <a:p>
+            <a:endParaRPr lang="en-CA" dirty="0"/>
           </a:p>
         </p:txBody>
       </p:sp>
@@ -7087,6 +7251,12 @@
 </file>
 
 <file path=customXml/item2.xml><?xml version="1.0" encoding="utf-8"?>
+<p:properties xmlns:p="http://schemas.microsoft.com/office/2006/metadata/properties" xmlns:xsi="http://www.w3.org/2001/XMLSchema-instance" xmlns:pc="http://schemas.microsoft.com/office/infopath/2007/PartnerControls">
+  <documentManagement/>
+</p:properties>
+</file>
+
+<file path=customXml/item3.xml><?xml version="1.0" encoding="utf-8"?>
 <ct:contentTypeSchema xmlns:ct="http://schemas.microsoft.com/office/2006/metadata/contentType" xmlns:ma="http://schemas.microsoft.com/office/2006/metadata/properties/metaAttributes" ct:_="" ma:_="" ma:contentTypeName="Document" ma:contentTypeID="0x010100C97FE0859335DF4E9B41717FA7F58395" ma:contentTypeVersion="4" ma:contentTypeDescription="Create a new document." ma:contentTypeScope="" ma:versionID="b62445c8373ea721629214e1ee5989b7">
   <xsd:schema xmlns:xsd="http://www.w3.org/2001/XMLSchema" xmlns:xs="http://www.w3.org/2001/XMLSchema" xmlns:p="http://schemas.microsoft.com/office/2006/metadata/properties" xmlns:ns2="d767b894-bb0c-4057-8e02-fb845d8dfd38" targetNamespace="http://schemas.microsoft.com/office/2006/metadata/properties" ma:root="true" ma:fieldsID="b17ca48fc702513166f970f47d4b1655" ns2:_="">
     <xsd:import namespace="d767b894-bb0c-4057-8e02-fb845d8dfd38"/>
@@ -7232,12 +7402,6 @@
 </ct:contentTypeSchema>
 </file>
 
-<file path=customXml/item3.xml><?xml version="1.0" encoding="utf-8"?>
-<p:properties xmlns:p="http://schemas.microsoft.com/office/2006/metadata/properties" xmlns:xsi="http://www.w3.org/2001/XMLSchema-instance" xmlns:pc="http://schemas.microsoft.com/office/infopath/2007/PartnerControls">
-  <documentManagement/>
-</p:properties>
-</file>
-
 <file path=customXml/itemProps1.xml><?xml version="1.0" encoding="utf-8"?>
 <ds:datastoreItem xmlns:ds="http://schemas.openxmlformats.org/officeDocument/2006/customXml" ds:itemID="{8001B256-AC24-4987-95E9-79F2B7342F76}">
   <ds:schemaRefs>
@@ -7247,6 +7411,15 @@
 </file>
 
 <file path=customXml/itemProps2.xml><?xml version="1.0" encoding="utf-8"?>
+<ds:datastoreItem xmlns:ds="http://schemas.openxmlformats.org/officeDocument/2006/customXml" ds:itemID="{59236500-A653-4FCC-9C4E-8130D30B81CE}">
+  <ds:schemaRefs>
+    <ds:schemaRef ds:uri="http://schemas.microsoft.com/office/2006/metadata/properties"/>
+    <ds:schemaRef ds:uri="http://schemas.microsoft.com/office/infopath/2007/PartnerControls"/>
+  </ds:schemaRefs>
+</ds:datastoreItem>
+</file>
+
+<file path=customXml/itemProps3.xml><?xml version="1.0" encoding="utf-8"?>
 <ds:datastoreItem xmlns:ds="http://schemas.openxmlformats.org/officeDocument/2006/customXml" ds:itemID="{F88B9090-6D09-4E12-9FC0-F294213DFCCB}">
   <ds:schemaRefs>
     <ds:schemaRef ds:uri="http://schemas.microsoft.com/office/2006/metadata/contentType"/>
@@ -7262,13 +7435,4 @@
     <ds:schemaRef ds:uri="http://schemas.microsoft.com/internal/obd"/>
   </ds:schemaRefs>
 </ds:datastoreItem>
-</file>
-
-<file path=customXml/itemProps3.xml><?xml version="1.0" encoding="utf-8"?>
-<ds:datastoreItem xmlns:ds="http://schemas.openxmlformats.org/officeDocument/2006/customXml" ds:itemID="{59236500-A653-4FCC-9C4E-8130D30B81CE}">
-  <ds:schemaRefs>
-    <ds:schemaRef ds:uri="http://schemas.microsoft.com/office/2006/metadata/properties"/>
-    <ds:schemaRef ds:uri="http://schemas.microsoft.com/office/infopath/2007/PartnerControls"/>
-  </ds:schemaRefs>
-</ds:datastoreItem>
 </file>
--- a/TESA_Simulation_Workshop_2021_Breakout_Report_Make_a_World.pptx
+++ b/TESA_Simulation_Workshop_2021_Breakout_Report_Make_a_World.pptx
@@ -6741,7 +6741,15 @@
           <a:p>
             <a:r>
               <a:rPr lang="en-CA" dirty="0" smtClean="0"/>
-              <a:t>Agreement among participants that there are a lot of things that can be loo9ked at, and that it is important to have a clear roadmap of what to do</a:t>
+              <a:t>Agreement among participants that there are a lot of things that can be </a:t>
+            </a:r>
+            <a:r>
+              <a:rPr lang="en-CA" dirty="0" smtClean="0"/>
+              <a:t>looked </a:t>
+            </a:r>
+            <a:r>
+              <a:rPr lang="en-CA" dirty="0" smtClean="0"/>
+              <a:t>at, and that it is important to have a clear roadmap of what to do</a:t>
             </a:r>
             <a:endParaRPr lang="en-CA" dirty="0"/>
           </a:p>
@@ -7251,12 +7259,6 @@
 </file>
 
 <file path=customXml/item2.xml><?xml version="1.0" encoding="utf-8"?>
-<p:properties xmlns:p="http://schemas.microsoft.com/office/2006/metadata/properties" xmlns:xsi="http://www.w3.org/2001/XMLSchema-instance" xmlns:pc="http://schemas.microsoft.com/office/infopath/2007/PartnerControls">
-  <documentManagement/>
-</p:properties>
-</file>
-
-<file path=customXml/item3.xml><?xml version="1.0" encoding="utf-8"?>
 <ct:contentTypeSchema xmlns:ct="http://schemas.microsoft.com/office/2006/metadata/contentType" xmlns:ma="http://schemas.microsoft.com/office/2006/metadata/properties/metaAttributes" ct:_="" ma:_="" ma:contentTypeName="Document" ma:contentTypeID="0x010100C97FE0859335DF4E9B41717FA7F58395" ma:contentTypeVersion="4" ma:contentTypeDescription="Create a new document." ma:contentTypeScope="" ma:versionID="b62445c8373ea721629214e1ee5989b7">
   <xsd:schema xmlns:xsd="http://www.w3.org/2001/XMLSchema" xmlns:xs="http://www.w3.org/2001/XMLSchema" xmlns:p="http://schemas.microsoft.com/office/2006/metadata/properties" xmlns:ns2="d767b894-bb0c-4057-8e02-fb845d8dfd38" targetNamespace="http://schemas.microsoft.com/office/2006/metadata/properties" ma:root="true" ma:fieldsID="b17ca48fc702513166f970f47d4b1655" ns2:_="">
     <xsd:import namespace="d767b894-bb0c-4057-8e02-fb845d8dfd38"/>
@@ -7402,6 +7404,12 @@
 </ct:contentTypeSchema>
 </file>
 
+<file path=customXml/item3.xml><?xml version="1.0" encoding="utf-8"?>
+<p:properties xmlns:p="http://schemas.microsoft.com/office/2006/metadata/properties" xmlns:xsi="http://www.w3.org/2001/XMLSchema-instance" xmlns:pc="http://schemas.microsoft.com/office/infopath/2007/PartnerControls">
+  <documentManagement/>
+</p:properties>
+</file>
+
 <file path=customXml/itemProps1.xml><?xml version="1.0" encoding="utf-8"?>
 <ds:datastoreItem xmlns:ds="http://schemas.openxmlformats.org/officeDocument/2006/customXml" ds:itemID="{8001B256-AC24-4987-95E9-79F2B7342F76}">
   <ds:schemaRefs>
@@ -7411,15 +7419,6 @@
 </file>
 
 <file path=customXml/itemProps2.xml><?xml version="1.0" encoding="utf-8"?>
-<ds:datastoreItem xmlns:ds="http://schemas.openxmlformats.org/officeDocument/2006/customXml" ds:itemID="{59236500-A653-4FCC-9C4E-8130D30B81CE}">
-  <ds:schemaRefs>
-    <ds:schemaRef ds:uri="http://schemas.microsoft.com/office/2006/metadata/properties"/>
-    <ds:schemaRef ds:uri="http://schemas.microsoft.com/office/infopath/2007/PartnerControls"/>
-  </ds:schemaRefs>
-</ds:datastoreItem>
-</file>
-
-<file path=customXml/itemProps3.xml><?xml version="1.0" encoding="utf-8"?>
 <ds:datastoreItem xmlns:ds="http://schemas.openxmlformats.org/officeDocument/2006/customXml" ds:itemID="{F88B9090-6D09-4E12-9FC0-F294213DFCCB}">
   <ds:schemaRefs>
     <ds:schemaRef ds:uri="http://schemas.microsoft.com/office/2006/metadata/contentType"/>
@@ -7435,4 +7434,13 @@
     <ds:schemaRef ds:uri="http://schemas.microsoft.com/internal/obd"/>
   </ds:schemaRefs>
 </ds:datastoreItem>
+</file>
+
+<file path=customXml/itemProps3.xml><?xml version="1.0" encoding="utf-8"?>
+<ds:datastoreItem xmlns:ds="http://schemas.openxmlformats.org/officeDocument/2006/customXml" ds:itemID="{59236500-A653-4FCC-9C4E-8130D30B81CE}">
+  <ds:schemaRefs>
+    <ds:schemaRef ds:uri="http://schemas.microsoft.com/office/2006/metadata/properties"/>
+    <ds:schemaRef ds:uri="http://schemas.microsoft.com/office/infopath/2007/PartnerControls"/>
+  </ds:schemaRefs>
+</ds:datastoreItem>
 </file>
--- a/TESA_Simulation_Workshop_2021_Breakout_Report_Make_a_World.pptx
+++ b/TESA_Simulation_Workshop_2021_Breakout_Report_Make_a_World.pptx
@@ -6109,6 +6109,13 @@
   <p:clrMapOvr>
     <a:masterClrMapping/>
   </p:clrMapOvr>
+  <p:timing>
+    <p:tnLst>
+      <p:par>
+        <p:cTn id="1" dur="indefinite" restart="never" nodeType="tmRoot"/>
+      </p:par>
+    </p:tnLst>
+  </p:timing>
 </p:sld>
 </file>
 
@@ -6181,6 +6188,13 @@
   <p:clrMapOvr>
     <a:masterClrMapping/>
   </p:clrMapOvr>
+  <p:timing>
+    <p:tnLst>
+      <p:par>
+        <p:cTn id="1" dur="indefinite" restart="never" nodeType="tmRoot"/>
+      </p:par>
+    </p:tnLst>
+  </p:timing>
 </p:sld>
 </file>
 
@@ -6335,6 +6349,18 @@
               <a:rPr lang="en-CA" dirty="0"/>
               <a:t>Rajeev Kumar, DFO NL Region </a:t>
             </a:r>
+            <a:endParaRPr lang="en-CA" dirty="0" smtClean="0"/>
+          </a:p>
+          <a:p>
+            <a:r>
+              <a:rPr lang="en-CA" dirty="0"/>
+              <a:t>Lysandre Landry, DFO Gulf </a:t>
+            </a:r>
+            <a:r>
+              <a:rPr lang="en-CA" dirty="0" smtClean="0"/>
+              <a:t>Region</a:t>
+            </a:r>
+            <a:endParaRPr lang="en-CA" dirty="0"/>
           </a:p>
           <a:p>
             <a:r>
@@ -6416,6 +6442,13 @@
   <p:clrMapOvr>
     <a:masterClrMapping/>
   </p:clrMapOvr>
+  <p:timing>
+    <p:tnLst>
+      <p:par>
+        <p:cTn id="1" dur="indefinite" restart="never" nodeType="tmRoot"/>
+      </p:par>
+    </p:tnLst>
+  </p:timing>
 </p:sld>
 </file>
 
@@ -6476,6 +6509,12 @@
           <a:p>
             <a:r>
               <a:rPr lang="en-US" dirty="0" smtClean="0"/>
+              <a:t>Do we really need to sample thousands of otoliths in order to support an age-based assessment?</a:t>
+            </a:r>
+          </a:p>
+          <a:p>
+            <a:r>
+              <a:rPr lang="en-US" dirty="0" smtClean="0"/>
               <a:t>A number of issues have been identified in the literature about the accuracy and precision of growth models fitted to length-stratified data. Using a simulation approach to create a virtual world where we have perfect knowledge can help examine how our perception of fish growth is influenced by our sampling strategy and different methods to use otoliths in the estimation of growth.</a:t>
             </a:r>
             <a:endParaRPr lang="en-US" dirty="0"/>
@@ -6492,6 +6531,13 @@
   <p:clrMapOvr>
     <a:masterClrMapping/>
   </p:clrMapOvr>
+  <p:timing>
+    <p:tnLst>
+      <p:par>
+        <p:cTn id="1" dur="indefinite" restart="never" nodeType="tmRoot"/>
+      </p:par>
+    </p:tnLst>
+  </p:timing>
 </p:sld>
 </file>
 
@@ -6581,6 +6627,13 @@
   <p:clrMapOvr>
     <a:masterClrMapping/>
   </p:clrMapOvr>
+  <p:timing>
+    <p:tnLst>
+      <p:par>
+        <p:cTn id="1" dur="indefinite" restart="never" nodeType="tmRoot"/>
+      </p:par>
+    </p:tnLst>
+  </p:timing>
 </p:sld>
 </file>
 
@@ -6651,8 +6704,26 @@
           <a:p>
             <a:r>
               <a:rPr lang="en-CA" dirty="0" smtClean="0"/>
-              <a:t>Point out to potential problems associated with length-stratified sampling</a:t>
-            </a:r>
+              <a:t>Point out to potential problems associated with length-stratified </a:t>
+            </a:r>
+            <a:r>
+              <a:rPr lang="en-CA" dirty="0" smtClean="0"/>
+              <a:t>sampling</a:t>
+            </a:r>
+          </a:p>
+          <a:p>
+            <a:r>
+              <a:rPr lang="en-CA" dirty="0" smtClean="0"/>
+              <a:t>Growth models vs. population models, they are different but not mutually exclusive</a:t>
+            </a:r>
+            <a:endParaRPr lang="en-CA" dirty="0" smtClean="0"/>
+          </a:p>
+          <a:p>
+            <a:r>
+              <a:rPr lang="en-CA" dirty="0" smtClean="0"/>
+              <a:t>Roadmap to further move this work forward</a:t>
+            </a:r>
+            <a:endParaRPr lang="en-CA" dirty="0" smtClean="0"/>
           </a:p>
           <a:p>
             <a:endParaRPr lang="en-CA" dirty="0"/>
@@ -6669,6 +6740,13 @@
   <p:clrMapOvr>
     <a:masterClrMapping/>
   </p:clrMapOvr>
+  <p:timing>
+    <p:tnLst>
+      <p:par>
+        <p:cTn id="1" dur="indefinite" restart="never" nodeType="tmRoot"/>
+      </p:par>
+    </p:tnLst>
+  </p:timing>
 </p:sld>
 </file>
 
@@ -6741,15 +6819,7 @@
           <a:p>
             <a:r>
               <a:rPr lang="en-CA" dirty="0" smtClean="0"/>
-              <a:t>Agreement among participants that there are a lot of things that can be </a:t>
-            </a:r>
-            <a:r>
-              <a:rPr lang="en-CA" dirty="0" smtClean="0"/>
-              <a:t>looked </a:t>
-            </a:r>
-            <a:r>
-              <a:rPr lang="en-CA" dirty="0" smtClean="0"/>
-              <a:t>at, and that it is important to have a clear roadmap of what to do</a:t>
+              <a:t>Agreement among participants that there are a lot of things that can be looked at, and that it is important to have a clear roadmap of what to do</a:t>
             </a:r>
             <a:endParaRPr lang="en-CA" dirty="0"/>
           </a:p>
@@ -6765,6 +6835,13 @@
   <p:clrMapOvr>
     <a:masterClrMapping/>
   </p:clrMapOvr>
+  <p:timing>
+    <p:tnLst>
+      <p:par>
+        <p:cTn id="1" dur="indefinite" restart="never" nodeType="tmRoot"/>
+      </p:par>
+    </p:tnLst>
+  </p:timing>
 </p:sld>
 </file>
 
@@ -6825,8 +6902,14 @@
           <a:p>
             <a:r>
               <a:rPr lang="en-CA" dirty="0" smtClean="0"/>
-              <a:t>Virtual environment instead of being physically together</a:t>
-            </a:r>
+              <a:t>Virtual environment instead of being physically </a:t>
+            </a:r>
+            <a:r>
+              <a:rPr lang="en-CA" dirty="0" smtClean="0"/>
+              <a:t>together, but also made the workshop accessible.</a:t>
+            </a:r>
+          </a:p>
+          <a:p>
             <a:endParaRPr lang="en-CA" dirty="0"/>
           </a:p>
         </p:txBody>
@@ -6841,6 +6924,13 @@
   <p:clrMapOvr>
     <a:masterClrMapping/>
   </p:clrMapOvr>
+  <p:timing>
+    <p:tnLst>
+      <p:par>
+        <p:cTn id="1" dur="indefinite" restart="never" nodeType="tmRoot"/>
+      </p:par>
+    </p:tnLst>
+  </p:timing>
 </p:sld>
 </file>
 
@@ -6899,7 +6989,11 @@
           <a:bodyPr/>
           <a:lstStyle/>
           <a:p>
-            <a:endParaRPr lang="en-US"/>
+            <a:r>
+              <a:rPr lang="en-US" dirty="0" smtClean="0"/>
+              <a:t>As far as we could given the fact that we are in a virtual environment and the breakout lead was so last minute in getting ready for this workshop.</a:t>
+            </a:r>
+            <a:endParaRPr lang="en-US" dirty="0"/>
           </a:p>
         </p:txBody>
       </p:sp>
@@ -6913,6 +7007,13 @@
   <p:clrMapOvr>
     <a:masterClrMapping/>
   </p:clrMapOvr>
+  <p:timing>
+    <p:tnLst>
+      <p:par>
+        <p:cTn id="1" dur="indefinite" restart="never" nodeType="tmRoot"/>
+      </p:par>
+    </p:tnLst>
+  </p:timing>
 </p:sld>
 </file>
 
@@ -6975,7 +7076,17 @@
           <a:bodyPr/>
           <a:lstStyle/>
           <a:p>
-            <a:endParaRPr lang="en-CA"/>
+            <a:r>
+              <a:rPr lang="en-CA" dirty="0" smtClean="0"/>
+              <a:t>Use all the ideas tha</a:t>
+            </a:r>
+            <a:r>
+              <a:rPr lang="en-CA" dirty="0" smtClean="0"/>
+              <a:t>t were communicated to continue the simulation work on age-length pairs vs. growth increments.</a:t>
+            </a:r>
+          </a:p>
+          <a:p>
+            <a:endParaRPr lang="en-CA" dirty="0"/>
           </a:p>
         </p:txBody>
       </p:sp>
@@ -6989,6 +7100,13 @@
   <p:clrMapOvr>
     <a:masterClrMapping/>
   </p:clrMapOvr>
+  <p:timing>
+    <p:tnLst>
+      <p:par>
+        <p:cTn id="1" dur="indefinite" restart="never" nodeType="tmRoot"/>
+      </p:par>
+    </p:tnLst>
+  </p:timing>
 </p:sld>
 </file>
 
@@ -7250,12 +7368,9 @@
 </file>
 
 <file path=customXml/item1.xml><?xml version="1.0" encoding="utf-8"?>
-<?mso-contentType ?>
-<FormTemplates xmlns="http://schemas.microsoft.com/sharepoint/v3/contenttype/forms">
-  <Display>DocumentLibraryForm</Display>
-  <Edit>DocumentLibraryForm</Edit>
-  <New>DocumentLibraryForm</New>
-</FormTemplates>
+<p:properties xmlns:p="http://schemas.microsoft.com/office/2006/metadata/properties" xmlns:xsi="http://www.w3.org/2001/XMLSchema-instance" xmlns:pc="http://schemas.microsoft.com/office/infopath/2007/PartnerControls">
+  <documentManagement/>
+</p:properties>
 </file>
 
 <file path=customXml/item2.xml><?xml version="1.0" encoding="utf-8"?>
@@ -7405,15 +7520,19 @@
 </file>
 
 <file path=customXml/item3.xml><?xml version="1.0" encoding="utf-8"?>
-<p:properties xmlns:p="http://schemas.microsoft.com/office/2006/metadata/properties" xmlns:xsi="http://www.w3.org/2001/XMLSchema-instance" xmlns:pc="http://schemas.microsoft.com/office/infopath/2007/PartnerControls">
-  <documentManagement/>
-</p:properties>
+<?mso-contentType ?>
+<FormTemplates xmlns="http://schemas.microsoft.com/sharepoint/v3/contenttype/forms">
+  <Display>DocumentLibraryForm</Display>
+  <Edit>DocumentLibraryForm</Edit>
+  <New>DocumentLibraryForm</New>
+</FormTemplates>
 </file>
 
 <file path=customXml/itemProps1.xml><?xml version="1.0" encoding="utf-8"?>
-<ds:datastoreItem xmlns:ds="http://schemas.openxmlformats.org/officeDocument/2006/customXml" ds:itemID="{8001B256-AC24-4987-95E9-79F2B7342F76}">
+<ds:datastoreItem xmlns:ds="http://schemas.openxmlformats.org/officeDocument/2006/customXml" ds:itemID="{59236500-A653-4FCC-9C4E-8130D30B81CE}">
   <ds:schemaRefs>
-    <ds:schemaRef ds:uri="http://schemas.microsoft.com/sharepoint/v3/contenttype/forms"/>
+    <ds:schemaRef ds:uri="http://schemas.microsoft.com/office/2006/metadata/properties"/>
+    <ds:schemaRef ds:uri="http://schemas.microsoft.com/office/infopath/2007/PartnerControls"/>
   </ds:schemaRefs>
 </ds:datastoreItem>
 </file>
@@ -7437,10 +7556,9 @@
 </file>
 
 <file path=customXml/itemProps3.xml><?xml version="1.0" encoding="utf-8"?>
-<ds:datastoreItem xmlns:ds="http://schemas.openxmlformats.org/officeDocument/2006/customXml" ds:itemID="{59236500-A653-4FCC-9C4E-8130D30B81CE}">
+<ds:datastoreItem xmlns:ds="http://schemas.openxmlformats.org/officeDocument/2006/customXml" ds:itemID="{8001B256-AC24-4987-95E9-79F2B7342F76}">
   <ds:schemaRefs>
-    <ds:schemaRef ds:uri="http://schemas.microsoft.com/office/2006/metadata/properties"/>
-    <ds:schemaRef ds:uri="http://schemas.microsoft.com/office/infopath/2007/PartnerControls"/>
+    <ds:schemaRef ds:uri="http://schemas.microsoft.com/sharepoint/v3/contenttype/forms"/>
   </ds:schemaRefs>
 </ds:datastoreItem>
 </file>